--- a/Презентация для проекта Дедов.pptx
+++ b/Презентация для проекта Дедов.pptx
@@ -10,7 +10,8 @@
     <p:sldId id="258" r:id="rId4"/>
     <p:sldId id="259" r:id="rId5"/>
     <p:sldId id="260" r:id="rId6"/>
-    <p:sldId id="261" r:id="rId7"/>
+    <p:sldId id="262" r:id="rId7"/>
+    <p:sldId id="261" r:id="rId8"/>
   </p:sldIdLst>
   <p:sldSz cx="12192000" cy="6858000"/>
   <p:notesSz cx="6858000" cy="9144000"/>
@@ -109,6 +110,11 @@
       </a:defRPr>
     </a:lvl9pPr>
   </p:defaultTextStyle>
+  <p:extLst>
+    <p:ext uri="{EFAFB233-063F-42B5-8137-9DF3F51BA10A}">
+      <p15:sldGuideLst xmlns:p15="http://schemas.microsoft.com/office/powerpoint/2012/main"/>
+    </p:ext>
+  </p:extLst>
 </p:presentation>
 </file>
 
@@ -298,7 +304,7 @@
           <a:p>
             <a:fld id="{4AAD347D-5ACD-4C99-B74B-A9C85AD731AF}" type="datetimeFigureOut">
               <a:rPr lang="en-US" dirty="0"/>
-              <a:t>6/7/2024</a:t>
+              <a:t>6/8/2024</a:t>
             </a:fld>
             <a:endParaRPr lang="en-US" dirty="0"/>
           </a:p>
@@ -568,7 +574,7 @@
           <a:p>
             <a:fld id="{4509A250-FF31-4206-8172-F9D3106AACB1}" type="datetimeFigureOut">
               <a:rPr lang="en-US" dirty="0"/>
-              <a:t>6/7/2024</a:t>
+              <a:t>6/8/2024</a:t>
             </a:fld>
             <a:endParaRPr lang="en-US" dirty="0"/>
           </a:p>
@@ -757,7 +763,7 @@
           <a:p>
             <a:fld id="{4509A250-FF31-4206-8172-F9D3106AACB1}" type="datetimeFigureOut">
               <a:rPr lang="en-US" dirty="0"/>
-              <a:t>6/7/2024</a:t>
+              <a:t>6/8/2024</a:t>
             </a:fld>
             <a:endParaRPr lang="en-US" dirty="0"/>
           </a:p>
@@ -1025,7 +1031,7 @@
           <a:p>
             <a:fld id="{4509A250-FF31-4206-8172-F9D3106AACB1}" type="datetimeFigureOut">
               <a:rPr lang="en-US" dirty="0"/>
-              <a:t>6/7/2024</a:t>
+              <a:t>6/8/2024</a:t>
             </a:fld>
             <a:endParaRPr lang="en-US" dirty="0"/>
           </a:p>
@@ -1361,7 +1367,7 @@
           <a:p>
             <a:fld id="{4509A250-FF31-4206-8172-F9D3106AACB1}" type="datetimeFigureOut">
               <a:rPr lang="en-US" dirty="0"/>
-              <a:t>6/7/2024</a:t>
+              <a:t>6/8/2024</a:t>
             </a:fld>
             <a:endParaRPr lang="en-US" dirty="0"/>
           </a:p>
@@ -1979,7 +1985,7 @@
           <a:p>
             <a:fld id="{4509A250-FF31-4206-8172-F9D3106AACB1}" type="datetimeFigureOut">
               <a:rPr lang="en-US" dirty="0"/>
-              <a:t>6/7/2024</a:t>
+              <a:t>6/8/2024</a:t>
             </a:fld>
             <a:endParaRPr lang="en-US" dirty="0"/>
           </a:p>
@@ -2834,7 +2840,7 @@
           <a:p>
             <a:fld id="{4509A250-FF31-4206-8172-F9D3106AACB1}" type="datetimeFigureOut">
               <a:rPr lang="en-US" dirty="0"/>
-              <a:t>6/7/2024</a:t>
+              <a:t>6/8/2024</a:t>
             </a:fld>
             <a:endParaRPr lang="en-US" dirty="0"/>
           </a:p>
@@ -2999,7 +3005,7 @@
           <a:p>
             <a:fld id="{4509A250-FF31-4206-8172-F9D3106AACB1}" type="datetimeFigureOut">
               <a:rPr lang="en-US" dirty="0"/>
-              <a:t>6/7/2024</a:t>
+              <a:t>6/8/2024</a:t>
             </a:fld>
             <a:endParaRPr lang="en-US" dirty="0"/>
           </a:p>
@@ -3174,7 +3180,7 @@
           <a:p>
             <a:fld id="{4509A250-FF31-4206-8172-F9D3106AACB1}" type="datetimeFigureOut">
               <a:rPr lang="en-US" dirty="0"/>
-              <a:t>6/7/2024</a:t>
+              <a:t>6/8/2024</a:t>
             </a:fld>
             <a:endParaRPr lang="en-US" dirty="0"/>
           </a:p>
@@ -3339,7 +3345,7 @@
           <a:p>
             <a:fld id="{4509A250-FF31-4206-8172-F9D3106AACB1}" type="datetimeFigureOut">
               <a:rPr lang="en-US" dirty="0"/>
-              <a:t>6/7/2024</a:t>
+              <a:t>6/8/2024</a:t>
             </a:fld>
             <a:endParaRPr lang="en-US" dirty="0"/>
           </a:p>
@@ -3581,7 +3587,7 @@
           <a:p>
             <a:fld id="{9796027F-7875-4030-9381-8BD8C4F21935}" type="datetimeFigureOut">
               <a:rPr lang="en-US" dirty="0"/>
-              <a:t>6/7/2024</a:t>
+              <a:t>6/8/2024</a:t>
             </a:fld>
             <a:endParaRPr lang="en-US" dirty="0"/>
           </a:p>
@@ -3868,7 +3874,7 @@
           <a:p>
             <a:fld id="{9796027F-7875-4030-9381-8BD8C4F21935}" type="datetimeFigureOut">
               <a:rPr lang="en-US" dirty="0"/>
-              <a:t>6/7/2024</a:t>
+              <a:t>6/8/2024</a:t>
             </a:fld>
             <a:endParaRPr lang="en-US" dirty="0"/>
           </a:p>
@@ -4307,7 +4313,7 @@
           <a:p>
             <a:fld id="{9796027F-7875-4030-9381-8BD8C4F21935}" type="datetimeFigureOut">
               <a:rPr lang="en-US" dirty="0"/>
-              <a:t>6/7/2024</a:t>
+              <a:t>6/8/2024</a:t>
             </a:fld>
             <a:endParaRPr lang="en-US" dirty="0"/>
           </a:p>
@@ -4420,7 +4426,7 @@
           <a:p>
             <a:fld id="{4509A250-FF31-4206-8172-F9D3106AACB1}" type="datetimeFigureOut">
               <a:rPr lang="en-US" dirty="0"/>
-              <a:t>6/7/2024</a:t>
+              <a:t>6/8/2024</a:t>
             </a:fld>
             <a:endParaRPr lang="en-US" dirty="0"/>
           </a:p>
@@ -4510,7 +4516,7 @@
           <a:p>
             <a:fld id="{4509A250-FF31-4206-8172-F9D3106AACB1}" type="datetimeFigureOut">
               <a:rPr lang="en-US" dirty="0"/>
-              <a:t>6/7/2024</a:t>
+              <a:t>6/8/2024</a:t>
             </a:fld>
             <a:endParaRPr lang="en-US" dirty="0"/>
           </a:p>
@@ -4784,7 +4790,7 @@
           <a:p>
             <a:fld id="{4509A250-FF31-4206-8172-F9D3106AACB1}" type="datetimeFigureOut">
               <a:rPr lang="en-US" dirty="0"/>
-              <a:t>6/7/2024</a:t>
+              <a:t>6/8/2024</a:t>
             </a:fld>
             <a:endParaRPr lang="en-US" dirty="0"/>
           </a:p>
@@ -5054,7 +5060,7 @@
           <a:p>
             <a:fld id="{4509A250-FF31-4206-8172-F9D3106AACB1}" type="datetimeFigureOut">
               <a:rPr lang="en-US" dirty="0"/>
-              <a:t>6/7/2024</a:t>
+              <a:t>6/8/2024</a:t>
             </a:fld>
             <a:endParaRPr lang="en-US" dirty="0"/>
           </a:p>
@@ -5478,7 +5484,7 @@
           <a:p>
             <a:fld id="{4AAD347D-5ACD-4C99-B74B-A9C85AD731AF}" type="datetimeFigureOut">
               <a:rPr lang="en-US" dirty="0"/>
-              <a:t>6/7/2024</a:t>
+              <a:t>6/8/2024</a:t>
             </a:fld>
             <a:endParaRPr lang="en-US" dirty="0"/>
           </a:p>
@@ -7061,6 +7067,115 @@
           <a:bodyPr/>
           <a:lstStyle/>
           <a:p>
+            <a:r>
+              <a:rPr lang="ru-RU" sz="3600" dirty="0" smtClean="0">
+                <a:latin typeface="Times New Roman" panose="02020603050405020304" pitchFamily="18" charset="0"/>
+                <a:cs typeface="Times New Roman" panose="02020603050405020304" pitchFamily="18" charset="0"/>
+              </a:rPr>
+              <a:t>Структура базы данных и запросы к ней</a:t>
+            </a:r>
+            <a:endParaRPr lang="ru-RU" sz="3600" dirty="0">
+              <a:latin typeface="Times New Roman" panose="02020603050405020304" pitchFamily="18" charset="0"/>
+              <a:cs typeface="Times New Roman" panose="02020603050405020304" pitchFamily="18" charset="0"/>
+            </a:endParaRPr>
+          </a:p>
+        </p:txBody>
+      </p:sp>
+      <p:pic>
+        <p:nvPicPr>
+          <p:cNvPr id="5" name="Рисунок 4"/>
+          <p:cNvPicPr>
+            <a:picLocks noChangeAspect="1"/>
+          </p:cNvPicPr>
+          <p:nvPr/>
+        </p:nvPicPr>
+        <p:blipFill>
+          <a:blip r:embed="rId2"/>
+          <a:stretch>
+            <a:fillRect/>
+          </a:stretch>
+        </p:blipFill>
+        <p:spPr>
+          <a:xfrm>
+            <a:off x="6747664" y="1211416"/>
+            <a:ext cx="3178931" cy="4876346"/>
+          </a:xfrm>
+          <a:prstGeom prst="rect">
+            <a:avLst/>
+          </a:prstGeom>
+        </p:spPr>
+      </p:pic>
+      <p:pic>
+        <p:nvPicPr>
+          <p:cNvPr id="7" name="Объект 6"/>
+          <p:cNvPicPr>
+            <a:picLocks noGrp="1" noChangeAspect="1"/>
+          </p:cNvPicPr>
+          <p:nvPr>
+            <p:ph idx="1"/>
+          </p:nvPr>
+        </p:nvPicPr>
+        <p:blipFill>
+          <a:blip r:embed="rId3"/>
+          <a:stretch>
+            <a:fillRect/>
+          </a:stretch>
+        </p:blipFill>
+        <p:spPr>
+          <a:xfrm>
+            <a:off x="646111" y="1211416"/>
+            <a:ext cx="4955619" cy="4931794"/>
+          </a:xfrm>
+          <a:prstGeom prst="rect">
+            <a:avLst/>
+          </a:prstGeom>
+        </p:spPr>
+      </p:pic>
+    </p:spTree>
+    <p:extLst>
+      <p:ext uri="{BB962C8B-B14F-4D97-AF65-F5344CB8AC3E}">
+        <p14:creationId xmlns:p14="http://schemas.microsoft.com/office/powerpoint/2010/main" val="2255064140"/>
+      </p:ext>
+    </p:extLst>
+  </p:cSld>
+  <p:clrMapOvr>
+    <a:masterClrMapping/>
+  </p:clrMapOvr>
+</p:sld>
+</file>
+
+<file path=ppt/slides/slide7.xml><?xml version="1.0" encoding="utf-8"?>
+<p:sld xmlns:a="http://schemas.openxmlformats.org/drawingml/2006/main" xmlns:r="http://schemas.openxmlformats.org/officeDocument/2006/relationships" xmlns:p="http://schemas.openxmlformats.org/presentationml/2006/main">
+  <p:cSld>
+    <p:spTree>
+      <p:nvGrpSpPr>
+        <p:cNvPr id="1" name=""/>
+        <p:cNvGrpSpPr/>
+        <p:nvPr/>
+      </p:nvGrpSpPr>
+      <p:grpSpPr>
+        <a:xfrm>
+          <a:off x="0" y="0"/>
+          <a:ext cx="0" cy="0"/>
+          <a:chOff x="0" y="0"/>
+          <a:chExt cx="0" cy="0"/>
+        </a:xfrm>
+      </p:grpSpPr>
+      <p:sp>
+        <p:nvSpPr>
+          <p:cNvPr id="2" name="Заголовок 1"/>
+          <p:cNvSpPr>
+            <a:spLocks noGrp="1"/>
+          </p:cNvSpPr>
+          <p:nvPr>
+            <p:ph type="title"/>
+          </p:nvPr>
+        </p:nvSpPr>
+        <p:spPr/>
+        <p:txBody>
+          <a:bodyPr/>
+          <a:lstStyle/>
+          <a:p>
             <a:pPr algn="ctr"/>
             <a:r>
               <a:rPr lang="ru-RU" sz="3600" dirty="0" smtClean="0">
